--- a/apresentação.pptx
+++ b/apresentação.pptx
@@ -8,7 +8,7 @@
     <p:sldId id="256" r:id="rId2"/>
     <p:sldId id="258" r:id="rId3"/>
     <p:sldId id="257" r:id="rId4"/>
-    <p:sldId id="260" r:id="rId5"/>
+    <p:sldId id="261" r:id="rId5"/>
   </p:sldIdLst>
   <p:sldSz cx="12192000" cy="6858000"/>
   <p:notesSz cx="6858000" cy="9144000"/>
@@ -107,13 +107,18 @@
       </a:defRPr>
     </a:lvl9pPr>
   </p:defaultTextStyle>
+  <p:extLst>
+    <p:ext uri="{EFAFB233-063F-42B5-8137-9DF3F51BA10A}">
+      <p15:sldGuideLst xmlns:p15="http://schemas.microsoft.com/office/powerpoint/2012/main"/>
+    </p:ext>
+  </p:extLst>
 </p:presentation>
 </file>
 
 <file path=ppt/revisionInfo.xml><?xml version="1.0" encoding="utf-8"?>
 <p1510:revInfo xmlns:a="http://schemas.openxmlformats.org/drawingml/2006/main" xmlns:r="http://schemas.openxmlformats.org/officeDocument/2006/relationships" xmlns:p1510="http://schemas.microsoft.com/office/powerpoint/2015/10/main">
   <p1510:revLst>
-    <p1510:client id="{C3A47FF0-AB7C-4388-8BF1-982B81EC4AA2}" v="171" dt="2021-11-03T14:18:39.261"/>
+    <p1510:client id="{C3A47FF0-AB7C-4388-8BF1-982B81EC4AA2}" v="178" dt="2021-11-11T22:32:01.048"/>
   </p1510:revLst>
 </p1510:revInfo>
 </file>
@@ -122,13 +127,13 @@
 <pc:chgInfo xmlns:a="http://schemas.openxmlformats.org/drawingml/2006/main" xmlns:r="http://schemas.openxmlformats.org/officeDocument/2006/relationships" xmlns:ac="http://schemas.microsoft.com/office/drawing/2013/main/command" xmlns:pc="http://schemas.microsoft.com/office/powerpoint/2013/main/command">
   <pc:docChgLst>
     <pc:chgData name="IATec - Ryan Nicolau Lopes" userId="cb2fd2db-0cc3-4405-92df-a45bab2e1379" providerId="ADAL" clId="{C3A47FF0-AB7C-4388-8BF1-982B81EC4AA2}"/>
-    <pc:docChg chg="undo custSel addSld delSld modSld sldOrd">
-      <pc:chgData name="IATec - Ryan Nicolau Lopes" userId="cb2fd2db-0cc3-4405-92df-a45bab2e1379" providerId="ADAL" clId="{C3A47FF0-AB7C-4388-8BF1-982B81EC4AA2}" dt="2021-11-03T14:19:49.992" v="1426" actId="207"/>
+    <pc:docChg chg="undo redo custSel addSld delSld modSld sldOrd">
+      <pc:chgData name="IATec - Ryan Nicolau Lopes" userId="cb2fd2db-0cc3-4405-92df-a45bab2e1379" providerId="ADAL" clId="{C3A47FF0-AB7C-4388-8BF1-982B81EC4AA2}" dt="2021-11-11T22:42:54.911" v="1477" actId="14100"/>
       <pc:docMkLst>
         <pc:docMk/>
       </pc:docMkLst>
       <pc:sldChg chg="addSp delSp modSp new mod setBg">
-        <pc:chgData name="IATec - Ryan Nicolau Lopes" userId="cb2fd2db-0cc3-4405-92df-a45bab2e1379" providerId="ADAL" clId="{C3A47FF0-AB7C-4388-8BF1-982B81EC4AA2}" dt="2021-11-03T13:41:55.706" v="334" actId="1076"/>
+        <pc:chgData name="IATec - Ryan Nicolau Lopes" userId="cb2fd2db-0cc3-4405-92df-a45bab2e1379" providerId="ADAL" clId="{C3A47FF0-AB7C-4388-8BF1-982B81EC4AA2}" dt="2021-11-11T22:42:54.911" v="1477" actId="14100"/>
         <pc:sldMkLst>
           <pc:docMk/>
           <pc:sldMk cId="1525529227" sldId="256"/>
@@ -142,7 +147,7 @@
           </ac:spMkLst>
         </pc:spChg>
         <pc:spChg chg="mod">
-          <ac:chgData name="IATec - Ryan Nicolau Lopes" userId="cb2fd2db-0cc3-4405-92df-a45bab2e1379" providerId="ADAL" clId="{C3A47FF0-AB7C-4388-8BF1-982B81EC4AA2}" dt="2021-11-03T13:41:50.826" v="333" actId="1076"/>
+          <ac:chgData name="IATec - Ryan Nicolau Lopes" userId="cb2fd2db-0cc3-4405-92df-a45bab2e1379" providerId="ADAL" clId="{C3A47FF0-AB7C-4388-8BF1-982B81EC4AA2}" dt="2021-11-11T22:25:59.910" v="1427" actId="20577"/>
           <ac:spMkLst>
             <pc:docMk/>
             <pc:sldMk cId="1525529227" sldId="256"/>
@@ -158,7 +163,7 @@
           </ac:spMkLst>
         </pc:spChg>
         <pc:spChg chg="add mod">
-          <ac:chgData name="IATec - Ryan Nicolau Lopes" userId="cb2fd2db-0cc3-4405-92df-a45bab2e1379" providerId="ADAL" clId="{C3A47FF0-AB7C-4388-8BF1-982B81EC4AA2}" dt="2021-11-03T13:40:39.042" v="316" actId="14100"/>
+          <ac:chgData name="IATec - Ryan Nicolau Lopes" userId="cb2fd2db-0cc3-4405-92df-a45bab2e1379" providerId="ADAL" clId="{C3A47FF0-AB7C-4388-8BF1-982B81EC4AA2}" dt="2021-11-11T22:42:51.254" v="1476" actId="14100"/>
           <ac:spMkLst>
             <pc:docMk/>
             <pc:sldMk cId="1525529227" sldId="256"/>
@@ -166,7 +171,7 @@
           </ac:spMkLst>
         </pc:spChg>
         <pc:spChg chg="add mod">
-          <ac:chgData name="IATec - Ryan Nicolau Lopes" userId="cb2fd2db-0cc3-4405-92df-a45bab2e1379" providerId="ADAL" clId="{C3A47FF0-AB7C-4388-8BF1-982B81EC4AA2}" dt="2021-11-03T13:40:48.530" v="318" actId="1076"/>
+          <ac:chgData name="IATec - Ryan Nicolau Lopes" userId="cb2fd2db-0cc3-4405-92df-a45bab2e1379" providerId="ADAL" clId="{C3A47FF0-AB7C-4388-8BF1-982B81EC4AA2}" dt="2021-11-11T22:42:54.911" v="1477" actId="14100"/>
           <ac:spMkLst>
             <pc:docMk/>
             <pc:sldMk cId="1525529227" sldId="256"/>
@@ -199,7 +204,7 @@
         </pc:picChg>
       </pc:sldChg>
       <pc:sldChg chg="addSp delSp modSp new mod modClrScheme chgLayout">
-        <pc:chgData name="IATec - Ryan Nicolau Lopes" userId="cb2fd2db-0cc3-4405-92df-a45bab2e1379" providerId="ADAL" clId="{C3A47FF0-AB7C-4388-8BF1-982B81EC4AA2}" dt="2021-11-03T13:59:19.744" v="1374" actId="1076"/>
+        <pc:chgData name="IATec - Ryan Nicolau Lopes" userId="cb2fd2db-0cc3-4405-92df-a45bab2e1379" providerId="ADAL" clId="{C3A47FF0-AB7C-4388-8BF1-982B81EC4AA2}" dt="2021-11-11T22:31:05.433" v="1447" actId="207"/>
         <pc:sldMkLst>
           <pc:docMk/>
           <pc:sldMk cId="1733518609" sldId="257"/>
@@ -260,6 +265,14 @@
             <ac:spMk id="16" creationId="{98BDA006-87A3-45BB-B3B3-5EDCD535C5D3}"/>
           </ac:spMkLst>
         </pc:spChg>
+        <pc:picChg chg="add mod">
+          <ac:chgData name="IATec - Ryan Nicolau Lopes" userId="cb2fd2db-0cc3-4405-92df-a45bab2e1379" providerId="ADAL" clId="{C3A47FF0-AB7C-4388-8BF1-982B81EC4AA2}" dt="2021-11-11T22:31:05.433" v="1447" actId="207"/>
+          <ac:picMkLst>
+            <pc:docMk/>
+            <pc:sldMk cId="1733518609" sldId="257"/>
+            <ac:picMk id="3" creationId="{DCB306CD-A9A1-4539-AF26-6EE8E2130860}"/>
+          </ac:picMkLst>
+        </pc:picChg>
         <pc:picChg chg="add del mod">
           <ac:chgData name="IATec - Ryan Nicolau Lopes" userId="cb2fd2db-0cc3-4405-92df-a45bab2e1379" providerId="ADAL" clId="{C3A47FF0-AB7C-4388-8BF1-982B81EC4AA2}" dt="2021-11-03T13:46:30.078" v="450" actId="478"/>
           <ac:picMkLst>
@@ -292,8 +305,8 @@
             <ac:picMk id="15" creationId="{CD8F4441-E7E4-4E34-B476-86555886D184}"/>
           </ac:picMkLst>
         </pc:picChg>
-        <pc:picChg chg="add mod">
-          <ac:chgData name="IATec - Ryan Nicolau Lopes" userId="cb2fd2db-0cc3-4405-92df-a45bab2e1379" providerId="ADAL" clId="{C3A47FF0-AB7C-4388-8BF1-982B81EC4AA2}" dt="2021-11-03T13:51:59.674" v="536" actId="1076"/>
+        <pc:picChg chg="add del mod">
+          <ac:chgData name="IATec - Ryan Nicolau Lopes" userId="cb2fd2db-0cc3-4405-92df-a45bab2e1379" providerId="ADAL" clId="{C3A47FF0-AB7C-4388-8BF1-982B81EC4AA2}" dt="2021-11-11T22:29:52.580" v="1440" actId="478"/>
           <ac:picMkLst>
             <pc:docMk/>
             <pc:sldMk cId="1733518609" sldId="257"/>
@@ -301,12 +314,36 @@
           </ac:picMkLst>
         </pc:picChg>
       </pc:sldChg>
-      <pc:sldChg chg="add ord">
-        <pc:chgData name="IATec - Ryan Nicolau Lopes" userId="cb2fd2db-0cc3-4405-92df-a45bab2e1379" providerId="ADAL" clId="{C3A47FF0-AB7C-4388-8BF1-982B81EC4AA2}" dt="2021-11-03T13:59:26.341" v="1376"/>
+      <pc:sldChg chg="addSp delSp modSp add mod ord">
+        <pc:chgData name="IATec - Ryan Nicolau Lopes" userId="cb2fd2db-0cc3-4405-92df-a45bab2e1379" providerId="ADAL" clId="{C3A47FF0-AB7C-4388-8BF1-982B81EC4AA2}" dt="2021-11-11T22:33:06.880" v="1475" actId="1076"/>
         <pc:sldMkLst>
           <pc:docMk/>
           <pc:sldMk cId="3176621636" sldId="258"/>
         </pc:sldMkLst>
+        <pc:picChg chg="add mod">
+          <ac:chgData name="IATec - Ryan Nicolau Lopes" userId="cb2fd2db-0cc3-4405-92df-a45bab2e1379" providerId="ADAL" clId="{C3A47FF0-AB7C-4388-8BF1-982B81EC4AA2}" dt="2021-11-11T22:33:06.880" v="1475" actId="1076"/>
+          <ac:picMkLst>
+            <pc:docMk/>
+            <pc:sldMk cId="3176621636" sldId="258"/>
+            <ac:picMk id="3" creationId="{E83F0077-9C60-498D-AED3-7818EFEDDBB0}"/>
+          </ac:picMkLst>
+        </pc:picChg>
+        <pc:picChg chg="add del mod">
+          <ac:chgData name="IATec - Ryan Nicolau Lopes" userId="cb2fd2db-0cc3-4405-92df-a45bab2e1379" providerId="ADAL" clId="{C3A47FF0-AB7C-4388-8BF1-982B81EC4AA2}" dt="2021-11-11T22:27:03.607" v="1434" actId="21"/>
+          <ac:picMkLst>
+            <pc:docMk/>
+            <pc:sldMk cId="3176621636" sldId="258"/>
+            <ac:picMk id="15" creationId="{CD8F4441-E7E4-4E34-B476-86555886D184}"/>
+          </ac:picMkLst>
+        </pc:picChg>
+        <pc:picChg chg="add del mod">
+          <ac:chgData name="IATec - Ryan Nicolau Lopes" userId="cb2fd2db-0cc3-4405-92df-a45bab2e1379" providerId="ADAL" clId="{C3A47FF0-AB7C-4388-8BF1-982B81EC4AA2}" dt="2021-11-11T22:27:03.607" v="1434" actId="21"/>
+          <ac:picMkLst>
+            <pc:docMk/>
+            <pc:sldMk cId="3176621636" sldId="258"/>
+            <ac:picMk id="1026" creationId="{32B611A7-4ED1-467A-B784-C3A726BD9FC6}"/>
+          </ac:picMkLst>
+        </pc:picChg>
       </pc:sldChg>
       <pc:sldChg chg="delSp modSp add del mod">
         <pc:chgData name="IATec - Ryan Nicolau Lopes" userId="cb2fd2db-0cc3-4405-92df-a45bab2e1379" providerId="ADAL" clId="{C3A47FF0-AB7C-4388-8BF1-982B81EC4AA2}" dt="2021-11-03T14:01:22.075" v="1382" actId="47"/>
@@ -339,8 +376,8 @@
           </ac:picMkLst>
         </pc:picChg>
       </pc:sldChg>
-      <pc:sldChg chg="addSp delSp modSp add mod setBg">
-        <pc:chgData name="IATec - Ryan Nicolau Lopes" userId="cb2fd2db-0cc3-4405-92df-a45bab2e1379" providerId="ADAL" clId="{C3A47FF0-AB7C-4388-8BF1-982B81EC4AA2}" dt="2021-11-03T14:19:49.992" v="1426" actId="207"/>
+      <pc:sldChg chg="addSp delSp modSp add del mod setBg">
+        <pc:chgData name="IATec - Ryan Nicolau Lopes" userId="cb2fd2db-0cc3-4405-92df-a45bab2e1379" providerId="ADAL" clId="{C3A47FF0-AB7C-4388-8BF1-982B81EC4AA2}" dt="2021-11-11T22:32:58.301" v="1473" actId="47"/>
         <pc:sldMkLst>
           <pc:docMk/>
           <pc:sldMk cId="3146312339" sldId="260"/>
@@ -369,8 +406,8 @@
             <ac:spMk id="5" creationId="{2AC4042E-3293-4137-8E13-5EE6C4D98294}"/>
           </ac:spMkLst>
         </pc:spChg>
-        <pc:picChg chg="add mod">
-          <ac:chgData name="IATec - Ryan Nicolau Lopes" userId="cb2fd2db-0cc3-4405-92df-a45bab2e1379" providerId="ADAL" clId="{C3A47FF0-AB7C-4388-8BF1-982B81EC4AA2}" dt="2021-11-03T14:19:49.992" v="1426" actId="207"/>
+        <pc:picChg chg="add del mod">
+          <ac:chgData name="IATec - Ryan Nicolau Lopes" userId="cb2fd2db-0cc3-4405-92df-a45bab2e1379" providerId="ADAL" clId="{C3A47FF0-AB7C-4388-8BF1-982B81EC4AA2}" dt="2021-11-11T22:31:09.444" v="1448" actId="478"/>
           <ac:picMkLst>
             <pc:docMk/>
             <pc:sldMk cId="3146312339" sldId="260"/>
@@ -383,6 +420,45 @@
             <pc:docMk/>
             <pc:sldMk cId="3146312339" sldId="260"/>
             <ac:picMk id="10" creationId="{B5CBE969-4471-4ADA-AB64-8490B01F019F}"/>
+          </ac:picMkLst>
+        </pc:picChg>
+      </pc:sldChg>
+      <pc:sldChg chg="addSp delSp modSp add mod ord">
+        <pc:chgData name="IATec - Ryan Nicolau Lopes" userId="cb2fd2db-0cc3-4405-92df-a45bab2e1379" providerId="ADAL" clId="{C3A47FF0-AB7C-4388-8BF1-982B81EC4AA2}" dt="2021-11-11T22:32:17.659" v="1472" actId="478"/>
+        <pc:sldMkLst>
+          <pc:docMk/>
+          <pc:sldMk cId="2367307185" sldId="261"/>
+        </pc:sldMkLst>
+        <pc:spChg chg="mod">
+          <ac:chgData name="IATec - Ryan Nicolau Lopes" userId="cb2fd2db-0cc3-4405-92df-a45bab2e1379" providerId="ADAL" clId="{C3A47FF0-AB7C-4388-8BF1-982B81EC4AA2}" dt="2021-11-11T22:31:35.212" v="1463" actId="20577"/>
+          <ac:spMkLst>
+            <pc:docMk/>
+            <pc:sldMk cId="2367307185" sldId="261"/>
+            <ac:spMk id="5" creationId="{ECC78201-BF2F-4458-A010-88F7C23A32A2}"/>
+          </ac:spMkLst>
+        </pc:spChg>
+        <pc:spChg chg="del">
+          <ac:chgData name="IATec - Ryan Nicolau Lopes" userId="cb2fd2db-0cc3-4405-92df-a45bab2e1379" providerId="ADAL" clId="{C3A47FF0-AB7C-4388-8BF1-982B81EC4AA2}" dt="2021-11-11T22:32:17.659" v="1472" actId="478"/>
+          <ac:spMkLst>
+            <pc:docMk/>
+            <pc:sldMk cId="2367307185" sldId="261"/>
+            <ac:spMk id="16" creationId="{98BDA006-87A3-45BB-B3B3-5EDCD535C5D3}"/>
+          </ac:spMkLst>
+        </pc:spChg>
+        <pc:picChg chg="del">
+          <ac:chgData name="IATec - Ryan Nicolau Lopes" userId="cb2fd2db-0cc3-4405-92df-a45bab2e1379" providerId="ADAL" clId="{C3A47FF0-AB7C-4388-8BF1-982B81EC4AA2}" dt="2021-11-11T22:31:36.511" v="1464" actId="478"/>
+          <ac:picMkLst>
+            <pc:docMk/>
+            <pc:sldMk cId="2367307185" sldId="261"/>
+            <ac:picMk id="3" creationId="{DCB306CD-A9A1-4539-AF26-6EE8E2130860}"/>
+          </ac:picMkLst>
+        </pc:picChg>
+        <pc:picChg chg="add mod">
+          <ac:chgData name="IATec - Ryan Nicolau Lopes" userId="cb2fd2db-0cc3-4405-92df-a45bab2e1379" providerId="ADAL" clId="{C3A47FF0-AB7C-4388-8BF1-982B81EC4AA2}" dt="2021-11-11T22:32:15.170" v="1471" actId="1076"/>
+          <ac:picMkLst>
+            <pc:docMk/>
+            <pc:sldMk cId="2367307185" sldId="261"/>
+            <ac:picMk id="4" creationId="{482ED660-424F-43F7-A3EB-C5358BBCB3DD}"/>
           </ac:picMkLst>
         </pc:picChg>
       </pc:sldChg>
@@ -538,7 +614,7 @@
           <a:p>
             <a:fld id="{2A74623C-D3F4-4AC9-8CB9-D488C68A0959}" type="datetimeFigureOut">
               <a:rPr lang="pt-BR" smtClean="0"/>
-              <a:t>03/11/2021</a:t>
+              <a:t>11/11/2021</a:t>
             </a:fld>
             <a:endParaRPr lang="pt-BR"/>
           </a:p>
@@ -736,7 +812,7 @@
           <a:p>
             <a:fld id="{2A74623C-D3F4-4AC9-8CB9-D488C68A0959}" type="datetimeFigureOut">
               <a:rPr lang="pt-BR" smtClean="0"/>
-              <a:t>03/11/2021</a:t>
+              <a:t>11/11/2021</a:t>
             </a:fld>
             <a:endParaRPr lang="pt-BR"/>
           </a:p>
@@ -944,7 +1020,7 @@
           <a:p>
             <a:fld id="{2A74623C-D3F4-4AC9-8CB9-D488C68A0959}" type="datetimeFigureOut">
               <a:rPr lang="pt-BR" smtClean="0"/>
-              <a:t>03/11/2021</a:t>
+              <a:t>11/11/2021</a:t>
             </a:fld>
             <a:endParaRPr lang="pt-BR"/>
           </a:p>
@@ -1142,7 +1218,7 @@
           <a:p>
             <a:fld id="{2A74623C-D3F4-4AC9-8CB9-D488C68A0959}" type="datetimeFigureOut">
               <a:rPr lang="pt-BR" smtClean="0"/>
-              <a:t>03/11/2021</a:t>
+              <a:t>11/11/2021</a:t>
             </a:fld>
             <a:endParaRPr lang="pt-BR"/>
           </a:p>
@@ -1417,7 +1493,7 @@
           <a:p>
             <a:fld id="{2A74623C-D3F4-4AC9-8CB9-D488C68A0959}" type="datetimeFigureOut">
               <a:rPr lang="pt-BR" smtClean="0"/>
-              <a:t>03/11/2021</a:t>
+              <a:t>11/11/2021</a:t>
             </a:fld>
             <a:endParaRPr lang="pt-BR"/>
           </a:p>
@@ -1682,7 +1758,7 @@
           <a:p>
             <a:fld id="{2A74623C-D3F4-4AC9-8CB9-D488C68A0959}" type="datetimeFigureOut">
               <a:rPr lang="pt-BR" smtClean="0"/>
-              <a:t>03/11/2021</a:t>
+              <a:t>11/11/2021</a:t>
             </a:fld>
             <a:endParaRPr lang="pt-BR"/>
           </a:p>
@@ -2094,7 +2170,7 @@
           <a:p>
             <a:fld id="{2A74623C-D3F4-4AC9-8CB9-D488C68A0959}" type="datetimeFigureOut">
               <a:rPr lang="pt-BR" smtClean="0"/>
-              <a:t>03/11/2021</a:t>
+              <a:t>11/11/2021</a:t>
             </a:fld>
             <a:endParaRPr lang="pt-BR"/>
           </a:p>
@@ -2235,7 +2311,7 @@
           <a:p>
             <a:fld id="{2A74623C-D3F4-4AC9-8CB9-D488C68A0959}" type="datetimeFigureOut">
               <a:rPr lang="pt-BR" smtClean="0"/>
-              <a:t>03/11/2021</a:t>
+              <a:t>11/11/2021</a:t>
             </a:fld>
             <a:endParaRPr lang="pt-BR"/>
           </a:p>
@@ -2348,7 +2424,7 @@
           <a:p>
             <a:fld id="{2A74623C-D3F4-4AC9-8CB9-D488C68A0959}" type="datetimeFigureOut">
               <a:rPr lang="pt-BR" smtClean="0"/>
-              <a:t>03/11/2021</a:t>
+              <a:t>11/11/2021</a:t>
             </a:fld>
             <a:endParaRPr lang="pt-BR"/>
           </a:p>
@@ -2659,7 +2735,7 @@
           <a:p>
             <a:fld id="{2A74623C-D3F4-4AC9-8CB9-D488C68A0959}" type="datetimeFigureOut">
               <a:rPr lang="pt-BR" smtClean="0"/>
-              <a:t>03/11/2021</a:t>
+              <a:t>11/11/2021</a:t>
             </a:fld>
             <a:endParaRPr lang="pt-BR"/>
           </a:p>
@@ -2947,7 +3023,7 @@
           <a:p>
             <a:fld id="{2A74623C-D3F4-4AC9-8CB9-D488C68A0959}" type="datetimeFigureOut">
               <a:rPr lang="pt-BR" smtClean="0"/>
-              <a:t>03/11/2021</a:t>
+              <a:t>11/11/2021</a:t>
             </a:fld>
             <a:endParaRPr lang="pt-BR"/>
           </a:p>
@@ -3188,7 +3264,7 @@
           <a:p>
             <a:fld id="{2A74623C-D3F4-4AC9-8CB9-D488C68A0959}" type="datetimeFigureOut">
               <a:rPr lang="pt-BR" smtClean="0"/>
-              <a:t>03/11/2021</a:t>
+              <a:t>11/11/2021</a:t>
             </a:fld>
             <a:endParaRPr lang="pt-BR"/>
           </a:p>
@@ -3698,7 +3774,7 @@
                 <a:latin typeface="Arial" panose="020B0604020202020204" pitchFamily="34" charset="0"/>
                 <a:cs typeface="Arial" panose="020B0604020202020204" pitchFamily="34" charset="0"/>
               </a:rPr>
-              <a:t>, Guilherme Gome e Rodrigo </a:t>
+              <a:t>, Guilherme Gomes e Rodrigo </a:t>
             </a:r>
             <a:r>
               <a:rPr lang="pt-BR" b="1" dirty="0" err="1">
@@ -3729,7 +3805,7 @@
         <p:spPr>
           <a:xfrm>
             <a:off x="0" y="-1"/>
-            <a:ext cx="12192000" cy="434021"/>
+            <a:ext cx="12192000" cy="590844"/>
           </a:xfrm>
           <a:prstGeom prst="rect">
             <a:avLst/>
@@ -3794,8 +3870,8 @@
         </p:nvSpPr>
         <p:spPr>
           <a:xfrm>
-            <a:off x="0" y="6423979"/>
-            <a:ext cx="12192000" cy="434021"/>
+            <a:off x="0" y="6313409"/>
+            <a:ext cx="12192000" cy="544592"/>
           </a:xfrm>
           <a:prstGeom prst="rect">
             <a:avLst/>
@@ -4019,42 +4095,6 @@
           </a:p>
         </p:txBody>
       </p:sp>
-      <p:pic>
-        <p:nvPicPr>
-          <p:cNvPr id="15" name="Imagem 14" descr="Forma&#10;&#10;Descrição gerada automaticamente com confiança baixa">
-            <a:extLst>
-              <a:ext uri="{FF2B5EF4-FFF2-40B4-BE49-F238E27FC236}">
-                <a16:creationId xmlns:a16="http://schemas.microsoft.com/office/drawing/2014/main" id="{CD8F4441-E7E4-4E34-B476-86555886D184}"/>
-              </a:ext>
-            </a:extLst>
-          </p:cNvPr>
-          <p:cNvPicPr>
-            <a:picLocks noChangeAspect="1"/>
-          </p:cNvPicPr>
-          <p:nvPr/>
-        </p:nvPicPr>
-        <p:blipFill>
-          <a:blip r:embed="rId2">
-            <a:extLst>
-              <a:ext uri="{28A0092B-C50C-407E-A947-70E740481C1C}">
-                <a14:useLocalDpi xmlns:a14="http://schemas.microsoft.com/office/drawing/2010/main" val="0"/>
-              </a:ext>
-            </a:extLst>
-          </a:blip>
-          <a:stretch>
-            <a:fillRect/>
-          </a:stretch>
-        </p:blipFill>
-        <p:spPr>
-          <a:xfrm>
-            <a:off x="667630" y="2000543"/>
-            <a:ext cx="2856914" cy="2856914"/>
-          </a:xfrm>
-          <a:prstGeom prst="rect">
-            <a:avLst/>
-          </a:prstGeom>
-        </p:spPr>
-      </p:pic>
       <p:sp>
         <p:nvSpPr>
           <p:cNvPr id="16" name="Espaço Reservado para Conteúdo 4">
@@ -4266,6 +4306,45 @@
           </a:p>
         </p:txBody>
       </p:sp>
+      <p:pic>
+        <p:nvPicPr>
+          <p:cNvPr id="3" name="Gráfico 2">
+            <a:extLst>
+              <a:ext uri="{FF2B5EF4-FFF2-40B4-BE49-F238E27FC236}">
+                <a16:creationId xmlns:a16="http://schemas.microsoft.com/office/drawing/2014/main" id="{E83F0077-9C60-498D-AED3-7818EFEDDBB0}"/>
+              </a:ext>
+            </a:extLst>
+          </p:cNvPr>
+          <p:cNvPicPr>
+            <a:picLocks noChangeAspect="1"/>
+          </p:cNvPicPr>
+          <p:nvPr/>
+        </p:nvPicPr>
+        <p:blipFill>
+          <a:blip r:embed="rId2">
+            <a:extLst>
+              <a:ext uri="{28A0092B-C50C-407E-A947-70E740481C1C}">
+                <a14:useLocalDpi xmlns:a14="http://schemas.microsoft.com/office/drawing/2010/main" val="0"/>
+              </a:ext>
+              <a:ext uri="{96DAC541-7B7A-43D3-8B79-37D633B846F1}">
+                <asvg:svgBlip xmlns:asvg="http://schemas.microsoft.com/office/drawing/2016/SVG/main" r:embed="rId3"/>
+              </a:ext>
+            </a:extLst>
+          </a:blip>
+          <a:stretch>
+            <a:fillRect/>
+          </a:stretch>
+        </p:blipFill>
+        <p:spPr>
+          <a:xfrm>
+            <a:off x="498522" y="2063846"/>
+            <a:ext cx="2730307" cy="2730307"/>
+          </a:xfrm>
+          <a:prstGeom prst="rect">
+            <a:avLst/>
+          </a:prstGeom>
+        </p:spPr>
+      </p:pic>
     </p:spTree>
     <p:extLst>
       <p:ext uri="{BB962C8B-B14F-4D97-AF65-F5344CB8AC3E}">
@@ -4652,10 +4731,10 @@
       </p:sp>
       <p:pic>
         <p:nvPicPr>
-          <p:cNvPr id="18" name="Imagem 17" descr="Forma&#10;&#10;Descrição gerada automaticamente com confiança baixa">
-            <a:extLst>
-              <a:ext uri="{FF2B5EF4-FFF2-40B4-BE49-F238E27FC236}">
-                <a16:creationId xmlns:a16="http://schemas.microsoft.com/office/drawing/2014/main" id="{CE01E8D5-F298-4778-B4B0-6A46D3151295}"/>
+          <p:cNvPr id="3" name="Gráfico 2">
+            <a:extLst>
+              <a:ext uri="{FF2B5EF4-FFF2-40B4-BE49-F238E27FC236}">
+                <a16:creationId xmlns:a16="http://schemas.microsoft.com/office/drawing/2014/main" id="{DCB306CD-A9A1-4539-AF26-6EE8E2130860}"/>
               </a:ext>
             </a:extLst>
           </p:cNvPr>
@@ -4670,6 +4749,9 @@
               <a:ext uri="{28A0092B-C50C-407E-A947-70E740481C1C}">
                 <a14:useLocalDpi xmlns:a14="http://schemas.microsoft.com/office/drawing/2010/main" val="0"/>
               </a:ext>
+              <a:ext uri="{96DAC541-7B7A-43D3-8B79-37D633B846F1}">
+                <asvg:svgBlip xmlns:asvg="http://schemas.microsoft.com/office/drawing/2016/SVG/main" r:embed="rId3"/>
+              </a:ext>
             </a:extLst>
           </a:blip>
           <a:stretch>
@@ -4678,8 +4760,8 @@
         </p:blipFill>
         <p:spPr>
           <a:xfrm>
-            <a:off x="404421" y="1559303"/>
-            <a:ext cx="3739393" cy="3739393"/>
+            <a:off x="882747" y="2411729"/>
+            <a:ext cx="2034541" cy="2034541"/>
           </a:xfrm>
           <a:prstGeom prst="rect">
             <a:avLst/>
@@ -4718,56 +4800,20 @@
       </p:grpSpPr>
       <p:sp>
         <p:nvSpPr>
-          <p:cNvPr id="2" name="Título 1">
-            <a:extLst>
-              <a:ext uri="{FF2B5EF4-FFF2-40B4-BE49-F238E27FC236}">
-                <a16:creationId xmlns:a16="http://schemas.microsoft.com/office/drawing/2014/main" id="{50769255-4838-4D21-B4E8-F0428CD480B3}"/>
-              </a:ext>
-            </a:extLst>
-          </p:cNvPr>
-          <p:cNvSpPr>
-            <a:spLocks noGrp="1"/>
-          </p:cNvSpPr>
-          <p:nvPr>
-            <p:ph type="ctrTitle"/>
-          </p:nvPr>
+          <p:cNvPr id="7" name="Retângulo 6">
+            <a:extLst>
+              <a:ext uri="{FF2B5EF4-FFF2-40B4-BE49-F238E27FC236}">
+                <a16:creationId xmlns:a16="http://schemas.microsoft.com/office/drawing/2014/main" id="{45B552AC-9E1D-4701-AFDE-7E07D19AFB1C}"/>
+              </a:ext>
+            </a:extLst>
+          </p:cNvPr>
+          <p:cNvSpPr/>
+          <p:nvPr/>
         </p:nvSpPr>
         <p:spPr>
           <a:xfrm>
-            <a:off x="1524000" y="456364"/>
-            <a:ext cx="9144000" cy="916473"/>
-          </a:xfrm>
-        </p:spPr>
-        <p:txBody>
-          <a:bodyPr/>
-          <a:lstStyle/>
-          <a:p>
-            <a:r>
-              <a:rPr lang="pt-BR" b="1" dirty="0">
-                <a:latin typeface="Arial" panose="020B0604020202020204" pitchFamily="34" charset="0"/>
-                <a:cs typeface="Arial" panose="020B0604020202020204" pitchFamily="34" charset="0"/>
-              </a:rPr>
-              <a:t>Saída</a:t>
-            </a:r>
-          </a:p>
-        </p:txBody>
-      </p:sp>
-      <p:sp>
-        <p:nvSpPr>
-          <p:cNvPr id="7" name="Retângulo 6">
-            <a:extLst>
-              <a:ext uri="{FF2B5EF4-FFF2-40B4-BE49-F238E27FC236}">
-                <a16:creationId xmlns:a16="http://schemas.microsoft.com/office/drawing/2014/main" id="{7175E940-276A-4B9B-B988-CD987AA290A5}"/>
-              </a:ext>
-            </a:extLst>
-          </p:cNvPr>
-          <p:cNvSpPr/>
-          <p:nvPr/>
-        </p:nvSpPr>
-        <p:spPr>
-          <a:xfrm>
-            <a:off x="0" y="-1"/>
-            <a:ext cx="12192000" cy="434021"/>
+            <a:off x="0" y="0"/>
+            <a:ext cx="3854548" cy="6858000"/>
           </a:xfrm>
           <a:prstGeom prst="rect">
             <a:avLst/>
@@ -4789,7 +4835,7 @@
                 </a:schemeClr>
               </a:gs>
             </a:gsLst>
-            <a:lin ang="0" scaled="1"/>
+            <a:lin ang="5400000" scaled="1"/>
             <a:tileRect/>
           </a:gradFill>
         </p:spPr>
@@ -4820,106 +4866,51 @@
       </p:sp>
       <p:sp>
         <p:nvSpPr>
-          <p:cNvPr id="9" name="Retângulo 8">
-            <a:extLst>
-              <a:ext uri="{FF2B5EF4-FFF2-40B4-BE49-F238E27FC236}">
-                <a16:creationId xmlns:a16="http://schemas.microsoft.com/office/drawing/2014/main" id="{8D19041F-3A42-445D-AB97-EFBDF6079254}"/>
-              </a:ext>
-            </a:extLst>
-          </p:cNvPr>
-          <p:cNvSpPr/>
-          <p:nvPr/>
+          <p:cNvPr id="5" name="Espaço Reservado para Conteúdo 4">
+            <a:extLst>
+              <a:ext uri="{FF2B5EF4-FFF2-40B4-BE49-F238E27FC236}">
+                <a16:creationId xmlns:a16="http://schemas.microsoft.com/office/drawing/2014/main" id="{ECC78201-BF2F-4458-A010-88F7C23A32A2}"/>
+              </a:ext>
+            </a:extLst>
+          </p:cNvPr>
+          <p:cNvSpPr>
+            <a:spLocks noGrp="1"/>
+          </p:cNvSpPr>
+          <p:nvPr>
+            <p:ph idx="1"/>
+          </p:nvPr>
         </p:nvSpPr>
         <p:spPr>
           <a:xfrm>
-            <a:off x="0" y="6423979"/>
-            <a:ext cx="12192000" cy="434021"/>
-          </a:xfrm>
-          <a:prstGeom prst="rect">
-            <a:avLst/>
-          </a:prstGeom>
-          <a:gradFill flip="none" rotWithShape="1">
-            <a:gsLst>
-              <a:gs pos="0">
-                <a:srgbClr val="002060"/>
-              </a:gs>
-              <a:gs pos="50000">
-                <a:schemeClr val="accent1">
-                  <a:lumMod val="50000"/>
-                </a:schemeClr>
-              </a:gs>
-              <a:gs pos="100000">
-                <a:schemeClr val="accent1">
-                  <a:lumMod val="60000"/>
-                  <a:lumOff val="40000"/>
-                </a:schemeClr>
-              </a:gs>
-            </a:gsLst>
-            <a:lin ang="0" scaled="1"/>
-            <a:tileRect/>
-          </a:gradFill>
-        </p:spPr>
-        <p:style>
-          <a:lnRef idx="2">
-            <a:schemeClr val="accent1">
-              <a:shade val="50000"/>
-            </a:schemeClr>
-          </a:lnRef>
-          <a:fillRef idx="1">
-            <a:schemeClr val="accent1"/>
-          </a:fillRef>
-          <a:effectRef idx="0">
-            <a:schemeClr val="accent1"/>
-          </a:effectRef>
-          <a:fontRef idx="minor">
-            <a:schemeClr val="lt1"/>
-          </a:fontRef>
-        </p:style>
-        <p:txBody>
-          <a:bodyPr rtlCol="0" anchor="ctr"/>
-          <a:lstStyle/>
-          <a:p>
-            <a:pPr algn="ctr"/>
-            <a:endParaRPr lang="pt-BR"/>
-          </a:p>
-        </p:txBody>
-      </p:sp>
-      <p:sp>
-        <p:nvSpPr>
-          <p:cNvPr id="5" name="Subtítulo 4">
-            <a:extLst>
-              <a:ext uri="{FF2B5EF4-FFF2-40B4-BE49-F238E27FC236}">
-                <a16:creationId xmlns:a16="http://schemas.microsoft.com/office/drawing/2014/main" id="{2AC4042E-3293-4137-8E13-5EE6C4D98294}"/>
-              </a:ext>
-            </a:extLst>
-          </p:cNvPr>
-          <p:cNvSpPr>
-            <a:spLocks noGrp="1"/>
-          </p:cNvSpPr>
-          <p:nvPr>
-            <p:ph type="subTitle" idx="1"/>
-          </p:nvPr>
-        </p:nvSpPr>
-        <p:spPr>
-          <a:xfrm>
-            <a:off x="1524000" y="2356343"/>
-            <a:ext cx="9144000" cy="1655762"/>
+            <a:off x="4258969" y="284040"/>
+            <a:ext cx="6172200" cy="616294"/>
           </a:xfrm>
         </p:spPr>
         <p:txBody>
-          <a:bodyPr/>
-          <a:lstStyle/>
-          <a:p>
-            <a:endParaRPr lang="pt-BR" dirty="0"/>
+          <a:bodyPr>
+            <a:noAutofit/>
+          </a:bodyPr>
+          <a:lstStyle/>
+          <a:p>
+            <a:pPr marL="0" indent="0" algn="ctr">
+              <a:buNone/>
+            </a:pPr>
+            <a:r>
+              <a:rPr lang="pt-BR" sz="4800" b="1" dirty="0">
+                <a:latin typeface="Arial" panose="020B0604020202020204" pitchFamily="34" charset="0"/>
+                <a:cs typeface="Arial" panose="020B0604020202020204" pitchFamily="34" charset="0"/>
+              </a:rPr>
+              <a:t>SAÍDA</a:t>
+            </a:r>
           </a:p>
         </p:txBody>
       </p:sp>
       <p:pic>
         <p:nvPicPr>
-          <p:cNvPr id="8" name="Imagem 7" descr="Forma&#10;&#10;Descrição gerada automaticamente com confiança média">
-            <a:extLst>
-              <a:ext uri="{FF2B5EF4-FFF2-40B4-BE49-F238E27FC236}">
-                <a16:creationId xmlns:a16="http://schemas.microsoft.com/office/drawing/2014/main" id="{1F7416F1-1321-457A-BAAD-5F5E28BAE818}"/>
+          <p:cNvPr id="4" name="Gráfico 3">
+            <a:extLst>
+              <a:ext uri="{FF2B5EF4-FFF2-40B4-BE49-F238E27FC236}">
+                <a16:creationId xmlns:a16="http://schemas.microsoft.com/office/drawing/2014/main" id="{482ED660-424F-43F7-A3EB-C5358BBCB3DD}"/>
               </a:ext>
             </a:extLst>
           </p:cNvPr>
@@ -4934,6 +4925,9 @@
               <a:ext uri="{28A0092B-C50C-407E-A947-70E740481C1C}">
                 <a14:useLocalDpi xmlns:a14="http://schemas.microsoft.com/office/drawing/2010/main" val="0"/>
               </a:ext>
+              <a:ext uri="{96DAC541-7B7A-43D3-8B79-37D633B846F1}">
+                <asvg:svgBlip xmlns:asvg="http://schemas.microsoft.com/office/drawing/2016/SVG/main" r:embed="rId3"/>
+              </a:ext>
             </a:extLst>
           </a:blip>
           <a:stretch>
@@ -4942,48 +4936,18 @@
         </p:blipFill>
         <p:spPr>
           <a:xfrm>
-            <a:off x="1225610" y="1222632"/>
-            <a:ext cx="9740780" cy="5124157"/>
+            <a:off x="801859" y="2402938"/>
+            <a:ext cx="2052124" cy="2052124"/>
           </a:xfrm>
           <a:prstGeom prst="rect">
             <a:avLst/>
           </a:prstGeom>
-          <a:gradFill flip="none" rotWithShape="1">
-            <a:gsLst>
-              <a:gs pos="0">
-                <a:schemeClr val="accent1">
-                  <a:lumMod val="5000"/>
-                  <a:lumOff val="95000"/>
-                </a:schemeClr>
-              </a:gs>
-              <a:gs pos="74000">
-                <a:schemeClr val="accent1">
-                  <a:lumMod val="45000"/>
-                  <a:lumOff val="55000"/>
-                </a:schemeClr>
-              </a:gs>
-              <a:gs pos="83000">
-                <a:schemeClr val="accent1">
-                  <a:lumMod val="45000"/>
-                  <a:lumOff val="55000"/>
-                </a:schemeClr>
-              </a:gs>
-              <a:gs pos="100000">
-                <a:schemeClr val="accent1">
-                  <a:lumMod val="30000"/>
-                  <a:lumOff val="70000"/>
-                </a:schemeClr>
-              </a:gs>
-            </a:gsLst>
-            <a:lin ang="5400000" scaled="1"/>
-            <a:tileRect/>
-          </a:gradFill>
         </p:spPr>
       </p:pic>
     </p:spTree>
     <p:extLst>
       <p:ext uri="{BB962C8B-B14F-4D97-AF65-F5344CB8AC3E}">
-        <p14:creationId xmlns:p14="http://schemas.microsoft.com/office/powerpoint/2010/main" val="3146312339"/>
+        <p14:creationId xmlns:p14="http://schemas.microsoft.com/office/powerpoint/2010/main" val="2367307185"/>
       </p:ext>
     </p:extLst>
   </p:cSld>

--- a/apresentação.pptx
+++ b/apresentação.pptx
@@ -128,7 +128,7 @@
   <pc:docChgLst>
     <pc:chgData name="IATec - Ryan Nicolau Lopes" userId="cb2fd2db-0cc3-4405-92df-a45bab2e1379" providerId="ADAL" clId="{C3A47FF0-AB7C-4388-8BF1-982B81EC4AA2}"/>
     <pc:docChg chg="undo redo custSel addSld delSld modSld sldOrd">
-      <pc:chgData name="IATec - Ryan Nicolau Lopes" userId="cb2fd2db-0cc3-4405-92df-a45bab2e1379" providerId="ADAL" clId="{C3A47FF0-AB7C-4388-8BF1-982B81EC4AA2}" dt="2021-11-11T22:42:54.911" v="1477" actId="14100"/>
+      <pc:chgData name="IATec - Ryan Nicolau Lopes" userId="cb2fd2db-0cc3-4405-92df-a45bab2e1379" providerId="ADAL" clId="{C3A47FF0-AB7C-4388-8BF1-982B81EC4AA2}" dt="2021-11-16T11:31:54.414" v="1691" actId="20577"/>
       <pc:docMkLst>
         <pc:docMk/>
       </pc:docMkLst>
@@ -204,7 +204,7 @@
         </pc:picChg>
       </pc:sldChg>
       <pc:sldChg chg="addSp delSp modSp new mod modClrScheme chgLayout">
-        <pc:chgData name="IATec - Ryan Nicolau Lopes" userId="cb2fd2db-0cc3-4405-92df-a45bab2e1379" providerId="ADAL" clId="{C3A47FF0-AB7C-4388-8BF1-982B81EC4AA2}" dt="2021-11-11T22:31:05.433" v="1447" actId="207"/>
+        <pc:chgData name="IATec - Ryan Nicolau Lopes" userId="cb2fd2db-0cc3-4405-92df-a45bab2e1379" providerId="ADAL" clId="{C3A47FF0-AB7C-4388-8BF1-982B81EC4AA2}" dt="2021-11-16T11:31:54.414" v="1691" actId="20577"/>
         <pc:sldMkLst>
           <pc:docMk/>
           <pc:sldMk cId="1733518609" sldId="257"/>
@@ -258,7 +258,7 @@
           </ac:spMkLst>
         </pc:spChg>
         <pc:spChg chg="add mod">
-          <ac:chgData name="IATec - Ryan Nicolau Lopes" userId="cb2fd2db-0cc3-4405-92df-a45bab2e1379" providerId="ADAL" clId="{C3A47FF0-AB7C-4388-8BF1-982B81EC4AA2}" dt="2021-11-03T13:59:19.744" v="1374" actId="1076"/>
+          <ac:chgData name="IATec - Ryan Nicolau Lopes" userId="cb2fd2db-0cc3-4405-92df-a45bab2e1379" providerId="ADAL" clId="{C3A47FF0-AB7C-4388-8BF1-982B81EC4AA2}" dt="2021-11-16T11:31:54.414" v="1691" actId="20577"/>
           <ac:spMkLst>
             <pc:docMk/>
             <pc:sldMk cId="1733518609" sldId="257"/>
@@ -614,7 +614,7 @@
           <a:p>
             <a:fld id="{2A74623C-D3F4-4AC9-8CB9-D488C68A0959}" type="datetimeFigureOut">
               <a:rPr lang="pt-BR" smtClean="0"/>
-              <a:t>11/11/2021</a:t>
+              <a:t>16/11/2021</a:t>
             </a:fld>
             <a:endParaRPr lang="pt-BR"/>
           </a:p>
@@ -812,7 +812,7 @@
           <a:p>
             <a:fld id="{2A74623C-D3F4-4AC9-8CB9-D488C68A0959}" type="datetimeFigureOut">
               <a:rPr lang="pt-BR" smtClean="0"/>
-              <a:t>11/11/2021</a:t>
+              <a:t>16/11/2021</a:t>
             </a:fld>
             <a:endParaRPr lang="pt-BR"/>
           </a:p>
@@ -1020,7 +1020,7 @@
           <a:p>
             <a:fld id="{2A74623C-D3F4-4AC9-8CB9-D488C68A0959}" type="datetimeFigureOut">
               <a:rPr lang="pt-BR" smtClean="0"/>
-              <a:t>11/11/2021</a:t>
+              <a:t>16/11/2021</a:t>
             </a:fld>
             <a:endParaRPr lang="pt-BR"/>
           </a:p>
@@ -1218,7 +1218,7 @@
           <a:p>
             <a:fld id="{2A74623C-D3F4-4AC9-8CB9-D488C68A0959}" type="datetimeFigureOut">
               <a:rPr lang="pt-BR" smtClean="0"/>
-              <a:t>11/11/2021</a:t>
+              <a:t>16/11/2021</a:t>
             </a:fld>
             <a:endParaRPr lang="pt-BR"/>
           </a:p>
@@ -1493,7 +1493,7 @@
           <a:p>
             <a:fld id="{2A74623C-D3F4-4AC9-8CB9-D488C68A0959}" type="datetimeFigureOut">
               <a:rPr lang="pt-BR" smtClean="0"/>
-              <a:t>11/11/2021</a:t>
+              <a:t>16/11/2021</a:t>
             </a:fld>
             <a:endParaRPr lang="pt-BR"/>
           </a:p>
@@ -1758,7 +1758,7 @@
           <a:p>
             <a:fld id="{2A74623C-D3F4-4AC9-8CB9-D488C68A0959}" type="datetimeFigureOut">
               <a:rPr lang="pt-BR" smtClean="0"/>
-              <a:t>11/11/2021</a:t>
+              <a:t>16/11/2021</a:t>
             </a:fld>
             <a:endParaRPr lang="pt-BR"/>
           </a:p>
@@ -2170,7 +2170,7 @@
           <a:p>
             <a:fld id="{2A74623C-D3F4-4AC9-8CB9-D488C68A0959}" type="datetimeFigureOut">
               <a:rPr lang="pt-BR" smtClean="0"/>
-              <a:t>11/11/2021</a:t>
+              <a:t>16/11/2021</a:t>
             </a:fld>
             <a:endParaRPr lang="pt-BR"/>
           </a:p>
@@ -2311,7 +2311,7 @@
           <a:p>
             <a:fld id="{2A74623C-D3F4-4AC9-8CB9-D488C68A0959}" type="datetimeFigureOut">
               <a:rPr lang="pt-BR" smtClean="0"/>
-              <a:t>11/11/2021</a:t>
+              <a:t>16/11/2021</a:t>
             </a:fld>
             <a:endParaRPr lang="pt-BR"/>
           </a:p>
@@ -2424,7 +2424,7 @@
           <a:p>
             <a:fld id="{2A74623C-D3F4-4AC9-8CB9-D488C68A0959}" type="datetimeFigureOut">
               <a:rPr lang="pt-BR" smtClean="0"/>
-              <a:t>11/11/2021</a:t>
+              <a:t>16/11/2021</a:t>
             </a:fld>
             <a:endParaRPr lang="pt-BR"/>
           </a:p>
@@ -2735,7 +2735,7 @@
           <a:p>
             <a:fld id="{2A74623C-D3F4-4AC9-8CB9-D488C68A0959}" type="datetimeFigureOut">
               <a:rPr lang="pt-BR" smtClean="0"/>
-              <a:t>11/11/2021</a:t>
+              <a:t>16/11/2021</a:t>
             </a:fld>
             <a:endParaRPr lang="pt-BR"/>
           </a:p>
@@ -3023,7 +3023,7 @@
           <a:p>
             <a:fld id="{2A74623C-D3F4-4AC9-8CB9-D488C68A0959}" type="datetimeFigureOut">
               <a:rPr lang="pt-BR" smtClean="0"/>
-              <a:t>11/11/2021</a:t>
+              <a:t>16/11/2021</a:t>
             </a:fld>
             <a:endParaRPr lang="pt-BR"/>
           </a:p>
@@ -3264,7 +3264,7 @@
           <a:p>
             <a:fld id="{2A74623C-D3F4-4AC9-8CB9-D488C68A0959}" type="datetimeFigureOut">
               <a:rPr lang="pt-BR" smtClean="0"/>
-              <a:t>11/11/2021</a:t>
+              <a:t>16/11/2021</a:t>
             </a:fld>
             <a:endParaRPr lang="pt-BR"/>
           </a:p>
@@ -4499,7 +4499,7 @@
         <p:spPr>
           <a:xfrm>
             <a:off x="4258969" y="1559303"/>
-            <a:ext cx="7768908" cy="4484077"/>
+            <a:ext cx="7768908" cy="5014657"/>
           </a:xfrm>
           <a:prstGeom prst="rect">
             <a:avLst/>
@@ -4703,7 +4703,7 @@
                 <a:latin typeface="Arial" panose="020B0604020202020204" pitchFamily="34" charset="0"/>
                 <a:cs typeface="Arial" panose="020B0604020202020204" pitchFamily="34" charset="0"/>
               </a:rPr>
-              <a:t>No final, deverá ser exibido o recibo do pedido do cliente, contendo o seu nome, endereço(Caso seja entrega) e o valor total. </a:t>
+              <a:t>No final, deverá ser exibido o recibo do pedido do cliente, contendo o seu nome, endereço(Caso seja entrega), data de emissão e o valor total. Toda vez que estiver um novo recibo, o sistema deverá gerar um novo arquivo.txt.</a:t>
             </a:r>
           </a:p>
           <a:p>
